--- a/app_architecture.pptx
+++ b/app_architecture.pptx
@@ -3396,7 +3396,7 @@
         </p:nvSpPr>
         <p:spPr>
           <a:xfrm>
-            <a:off x="2320799" y="754743"/>
+            <a:off x="3180114" y="754743"/>
             <a:ext cx="1016000" cy="1973943"/>
           </a:xfrm>
           <a:prstGeom prst="roundRect">
@@ -3457,7 +3457,7 @@
         </p:nvSpPr>
         <p:spPr>
           <a:xfrm>
-            <a:off x="2320799" y="2824079"/>
+            <a:off x="3180114" y="2824079"/>
             <a:ext cx="1016000" cy="1973943"/>
           </a:xfrm>
           <a:prstGeom prst="roundRect">
@@ -3571,7 +3571,7 @@
         </p:nvSpPr>
         <p:spPr>
           <a:xfrm>
-            <a:off x="3762172" y="754742"/>
+            <a:off x="4621487" y="754742"/>
             <a:ext cx="1016000" cy="1973943"/>
           </a:xfrm>
           <a:prstGeom prst="roundRect">
@@ -3632,7 +3632,7 @@
         </p:nvSpPr>
         <p:spPr>
           <a:xfrm>
-            <a:off x="5178363" y="754740"/>
+            <a:off x="6037678" y="754740"/>
             <a:ext cx="1016000" cy="1973943"/>
           </a:xfrm>
           <a:prstGeom prst="roundRect">
@@ -3693,7 +3693,7 @@
         </p:nvSpPr>
         <p:spPr>
           <a:xfrm>
-            <a:off x="6619736" y="754741"/>
+            <a:off x="7479051" y="754741"/>
             <a:ext cx="1016000" cy="1973943"/>
           </a:xfrm>
           <a:prstGeom prst="roundRect">
@@ -3939,6 +3939,67 @@
             <a:r>
               <a:rPr lang="en-US" sz="1200" dirty="0"/>
               <a:t>Race Members with Location Data</a:t>
+            </a:r>
+          </a:p>
+        </p:txBody>
+      </p:sp>
+      <p:sp>
+        <p:nvSpPr>
+          <p:cNvPr id="14" name="Rounded Rectangle 13">
+            <a:extLst>
+              <a:ext uri="{FF2B5EF4-FFF2-40B4-BE49-F238E27FC236}">
+                <a16:creationId xmlns:a16="http://schemas.microsoft.com/office/drawing/2014/main" id="{EF9E966A-C0D5-9F8C-7C72-8050B3B9606F}"/>
+              </a:ext>
+            </a:extLst>
+          </p:cNvPr>
+          <p:cNvSpPr/>
+          <p:nvPr/>
+        </p:nvSpPr>
+        <p:spPr>
+          <a:xfrm>
+            <a:off x="1987277" y="754740"/>
+            <a:ext cx="1016000" cy="1973943"/>
+          </a:xfrm>
+          <a:prstGeom prst="roundRect">
+            <a:avLst/>
+          </a:prstGeom>
+          <a:solidFill>
+            <a:schemeClr val="bg1"/>
+          </a:solidFill>
+          <a:ln>
+            <a:solidFill>
+              <a:schemeClr val="tx1"/>
+            </a:solidFill>
+          </a:ln>
+        </p:spPr>
+        <p:style>
+          <a:lnRef idx="2">
+            <a:schemeClr val="accent1">
+              <a:shade val="15000"/>
+            </a:schemeClr>
+          </a:lnRef>
+          <a:fillRef idx="1">
+            <a:schemeClr val="accent1"/>
+          </a:fillRef>
+          <a:effectRef idx="0">
+            <a:schemeClr val="accent1"/>
+          </a:effectRef>
+          <a:fontRef idx="minor">
+            <a:schemeClr val="lt1"/>
+          </a:fontRef>
+        </p:style>
+        <p:txBody>
+          <a:bodyPr rtlCol="0" anchor="ctr"/>
+          <a:lstStyle/>
+          <a:p>
+            <a:pPr algn="ctr"/>
+            <a:r>
+              <a:rPr lang="en-US" sz="1200" dirty="0">
+                <a:solidFill>
+                  <a:schemeClr val="tx1"/>
+                </a:solidFill>
+              </a:rPr>
+              <a:t>Landing Page</a:t>
             </a:r>
           </a:p>
         </p:txBody>
